--- a/1821121_shimaoka_sotsuken_521.pptx
+++ b/1821121_shimaoka_sotsuken_521.pptx
@@ -5,15 +5,16 @@
     <p:sldMasterId id="2147483660" r:id="rId1"/>
   </p:sldMasterIdLst>
   <p:notesMasterIdLst>
-    <p:notesMasterId r:id="rId8"/>
+    <p:notesMasterId r:id="rId9"/>
   </p:notesMasterIdLst>
   <p:sldIdLst>
     <p:sldId id="257" r:id="rId2"/>
     <p:sldId id="258" r:id="rId3"/>
-    <p:sldId id="259" r:id="rId4"/>
-    <p:sldId id="260" r:id="rId5"/>
-    <p:sldId id="261" r:id="rId6"/>
-    <p:sldId id="262" r:id="rId7"/>
+    <p:sldId id="263" r:id="rId4"/>
+    <p:sldId id="259" r:id="rId5"/>
+    <p:sldId id="260" r:id="rId6"/>
+    <p:sldId id="261" r:id="rId7"/>
+    <p:sldId id="262" r:id="rId8"/>
   </p:sldIdLst>
   <p:sldSz cx="9144000" cy="6858000" type="screen4x3"/>
   <p:notesSz cx="6858000" cy="9144000"/>
@@ -3846,8 +3847,18 @@
             </a:r>
             <a:r>
               <a:rPr lang="ja-JP" altLang="en-US" dirty="0" smtClean="0"/>
-              <a:t>に触れた</a:t>
-            </a:r>
+              <a:t>に</a:t>
+            </a:r>
+            <a:r>
+              <a:rPr lang="ja-JP" altLang="en-US" dirty="0" smtClean="0"/>
+              <a:t>触れた</a:t>
+            </a:r>
+            <a:endParaRPr lang="en-US" altLang="ja-JP" dirty="0" smtClean="0"/>
+          </a:p>
+          <a:p>
+            <a:endParaRPr lang="en-US" altLang="ja-JP" dirty="0"/>
+          </a:p>
+          <a:p>
             <a:endParaRPr lang="en-US" altLang="ja-JP" dirty="0" smtClean="0"/>
           </a:p>
           <a:p>
@@ -3934,6 +3945,154 @@
           <a:lstStyle/>
           <a:p>
             <a:r>
+              <a:rPr kumimoji="1" lang="ja-JP" altLang="en-US" dirty="0" smtClean="0"/>
+              <a:t>目標</a:t>
+            </a:r>
+            <a:endParaRPr kumimoji="1" lang="ja-JP" altLang="en-US" dirty="0"/>
+          </a:p>
+        </p:txBody>
+      </p:sp>
+      <p:sp>
+        <p:nvSpPr>
+          <p:cNvPr id="3" name="コンテンツ プレースホルダー 2"/>
+          <p:cNvSpPr>
+            <a:spLocks noGrp="1"/>
+          </p:cNvSpPr>
+          <p:nvPr>
+            <p:ph idx="1"/>
+          </p:nvPr>
+        </p:nvSpPr>
+        <p:spPr/>
+        <p:txBody>
+          <a:bodyPr/>
+          <a:lstStyle/>
+          <a:p>
+            <a:r>
+              <a:rPr kumimoji="1" lang="en-US" altLang="ja-JP" dirty="0" err="1" smtClean="0"/>
+              <a:t>Blockly</a:t>
+            </a:r>
+            <a:r>
+              <a:rPr lang="ja-JP" altLang="en-US" dirty="0"/>
+              <a:t>に</a:t>
+            </a:r>
+            <a:r>
+              <a:rPr lang="ja-JP" altLang="en-US" dirty="0" smtClean="0"/>
+              <a:t>よるブロックプログラムとプログラミング言語によるコーディングへの変換</a:t>
+            </a:r>
+            <a:endParaRPr lang="en-US" altLang="ja-JP" dirty="0" smtClean="0"/>
+          </a:p>
+          <a:p>
+            <a:endParaRPr kumimoji="1" lang="en-US" altLang="ja-JP" dirty="0"/>
+          </a:p>
+          <a:p>
+            <a:r>
+              <a:rPr kumimoji="1" lang="ja-JP" altLang="en-US" dirty="0" smtClean="0"/>
+              <a:t>複数の言語での実行</a:t>
+            </a:r>
+            <a:endParaRPr kumimoji="1" lang="en-US" altLang="ja-JP" dirty="0" smtClean="0"/>
+          </a:p>
+          <a:p>
+            <a:pPr lvl="1"/>
+            <a:r>
+              <a:rPr kumimoji="1" lang="en-US" altLang="ja-JP" dirty="0" err="1" smtClean="0"/>
+              <a:t>Javascript</a:t>
+            </a:r>
+            <a:r>
+              <a:rPr kumimoji="1" lang="ja-JP" altLang="en-US" dirty="0" smtClean="0"/>
+              <a:t>以外の言語の場合の実行の方法について</a:t>
+            </a:r>
+            <a:endParaRPr kumimoji="1" lang="en-US" altLang="ja-JP" dirty="0" smtClean="0"/>
+          </a:p>
+          <a:p>
+            <a:pPr marL="0" indent="0">
+              <a:buNone/>
+            </a:pPr>
+            <a:endParaRPr lang="en-US" altLang="ja-JP" dirty="0" smtClean="0"/>
+          </a:p>
+          <a:p>
+            <a:r>
+              <a:rPr kumimoji="1" lang="ja-JP" altLang="en-US" smtClean="0"/>
+              <a:t>穴埋めにするアルゴリズムの考案</a:t>
+            </a:r>
+            <a:endParaRPr kumimoji="1" lang="en-US" altLang="ja-JP" dirty="0" smtClean="0"/>
+          </a:p>
+          <a:p>
+            <a:endParaRPr lang="en-US" altLang="ja-JP" dirty="0"/>
+          </a:p>
+          <a:p>
+            <a:endParaRPr kumimoji="1" lang="ja-JP" altLang="en-US" dirty="0"/>
+          </a:p>
+        </p:txBody>
+      </p:sp>
+      <p:sp>
+        <p:nvSpPr>
+          <p:cNvPr id="4" name="スライド番号プレースホルダー 3"/>
+          <p:cNvSpPr>
+            <a:spLocks noGrp="1"/>
+          </p:cNvSpPr>
+          <p:nvPr>
+            <p:ph type="sldNum" sz="quarter" idx="12"/>
+          </p:nvPr>
+        </p:nvSpPr>
+        <p:spPr/>
+        <p:txBody>
+          <a:bodyPr/>
+          <a:lstStyle/>
+          <a:p>
+            <a:fld id="{4A32CB03-0843-4AF8-BFB2-C9917854BC7E}" type="slidenum">
+              <a:rPr kumimoji="1" lang="ja-JP" altLang="en-US" smtClean="0"/>
+              <a:t>3</a:t>
+            </a:fld>
+            <a:endParaRPr kumimoji="1" lang="ja-JP" altLang="en-US"/>
+          </a:p>
+        </p:txBody>
+      </p:sp>
+    </p:spTree>
+    <p:extLst>
+      <p:ext uri="{BB962C8B-B14F-4D97-AF65-F5344CB8AC3E}">
+        <p14:creationId xmlns:p14="http://schemas.microsoft.com/office/powerpoint/2010/main" val="1632152331"/>
+      </p:ext>
+    </p:extLst>
+  </p:cSld>
+  <p:clrMapOvr>
+    <a:masterClrMapping/>
+  </p:clrMapOvr>
+</p:sld>
+</file>
+
+<file path=ppt/slides/slide4.xml><?xml version="1.0" encoding="utf-8"?>
+<p:sld xmlns:a="http://schemas.openxmlformats.org/drawingml/2006/main" xmlns:r="http://schemas.openxmlformats.org/officeDocument/2006/relationships" xmlns:p="http://schemas.openxmlformats.org/presentationml/2006/main">
+  <p:cSld>
+    <p:spTree>
+      <p:nvGrpSpPr>
+        <p:cNvPr id="1" name=""/>
+        <p:cNvGrpSpPr/>
+        <p:nvPr/>
+      </p:nvGrpSpPr>
+      <p:grpSpPr>
+        <a:xfrm>
+          <a:off x="0" y="0"/>
+          <a:ext cx="0" cy="0"/>
+          <a:chOff x="0" y="0"/>
+          <a:chExt cx="0" cy="0"/>
+        </a:xfrm>
+      </p:grpSpPr>
+      <p:sp>
+        <p:nvSpPr>
+          <p:cNvPr id="2" name="タイトル 1"/>
+          <p:cNvSpPr>
+            <a:spLocks noGrp="1"/>
+          </p:cNvSpPr>
+          <p:nvPr>
+            <p:ph type="title"/>
+          </p:nvPr>
+        </p:nvSpPr>
+        <p:spPr/>
+        <p:txBody>
+          <a:bodyPr/>
+          <a:lstStyle/>
+          <a:p>
+            <a:r>
               <a:rPr kumimoji="1" lang="en-US" altLang="ja-JP" dirty="0" err="1" smtClean="0"/>
               <a:t>Blockly</a:t>
             </a:r>
@@ -4072,7 +4231,7 @@
           <a:p>
             <a:fld id="{010A43D1-8C5F-4BB5-96AD-6A66B588192F}" type="slidenum">
               <a:rPr kumimoji="1" lang="ja-JP" altLang="en-US" smtClean="0"/>
-              <a:t>3</a:t>
+              <a:t>4</a:t>
             </a:fld>
             <a:endParaRPr kumimoji="1" lang="ja-JP" altLang="en-US"/>
           </a:p>
@@ -4098,7 +4257,7 @@
 </p:sld>
 </file>
 
-<file path=ppt/slides/slide4.xml><?xml version="1.0" encoding="utf-8"?>
+<file path=ppt/slides/slide5.xml><?xml version="1.0" encoding="utf-8"?>
 <p:sld xmlns:a="http://schemas.openxmlformats.org/drawingml/2006/main" xmlns:r="http://schemas.openxmlformats.org/officeDocument/2006/relationships" xmlns:p="http://schemas.openxmlformats.org/presentationml/2006/main">
   <p:cSld>
     <p:spTree>
@@ -4159,7 +4318,7 @@
           <a:p>
             <a:fld id="{010A43D1-8C5F-4BB5-96AD-6A66B588192F}" type="slidenum">
               <a:rPr kumimoji="1" lang="ja-JP" altLang="en-US" smtClean="0"/>
-              <a:t>4</a:t>
+              <a:t>5</a:t>
             </a:fld>
             <a:endParaRPr kumimoji="1" lang="ja-JP" altLang="en-US"/>
           </a:p>
@@ -4233,7 +4392,7 @@
 </p:sld>
 </file>
 
-<file path=ppt/slides/slide5.xml><?xml version="1.0" encoding="utf-8"?>
+<file path=ppt/slides/slide6.xml><?xml version="1.0" encoding="utf-8"?>
 <p:sld xmlns:a="http://schemas.openxmlformats.org/drawingml/2006/main" xmlns:r="http://schemas.openxmlformats.org/officeDocument/2006/relationships" xmlns:p="http://schemas.openxmlformats.org/presentationml/2006/main">
   <p:cSld>
     <p:spTree>
@@ -4452,7 +4611,7 @@
           <a:p>
             <a:fld id="{010A43D1-8C5F-4BB5-96AD-6A66B588192F}" type="slidenum">
               <a:rPr kumimoji="1" lang="ja-JP" altLang="en-US" smtClean="0"/>
-              <a:t>5</a:t>
+              <a:t>6</a:t>
             </a:fld>
             <a:endParaRPr kumimoji="1" lang="ja-JP" altLang="en-US"/>
           </a:p>
@@ -4478,7 +4637,7 @@
 </p:sld>
 </file>
 
-<file path=ppt/slides/slide6.xml><?xml version="1.0" encoding="utf-8"?>
+<file path=ppt/slides/slide7.xml><?xml version="1.0" encoding="utf-8"?>
 <p:sld xmlns:a="http://schemas.openxmlformats.org/drawingml/2006/main" xmlns:r="http://schemas.openxmlformats.org/officeDocument/2006/relationships" xmlns:p="http://schemas.openxmlformats.org/presentationml/2006/main">
   <p:cSld>
     <p:spTree>
@@ -4585,7 +4744,7 @@
           <a:p>
             <a:fld id="{010A43D1-8C5F-4BB5-96AD-6A66B588192F}" type="slidenum">
               <a:rPr kumimoji="1" lang="ja-JP" altLang="en-US" smtClean="0"/>
-              <a:t>6</a:t>
+              <a:t>7</a:t>
             </a:fld>
             <a:endParaRPr kumimoji="1" lang="ja-JP" altLang="en-US"/>
           </a:p>

--- a/1821121_shimaoka_sotsuken_521.pptx
+++ b/1821121_shimaoka_sotsuken_521.pptx
@@ -4011,7 +4011,7 @@
           </a:p>
           <a:p>
             <a:r>
-              <a:rPr kumimoji="1" lang="ja-JP" altLang="en-US" smtClean="0"/>
+              <a:rPr kumimoji="1" lang="ja-JP" altLang="en-US" dirty="0" smtClean="0"/>
               <a:t>穴埋めにするアルゴリズムの考案</a:t>
             </a:r>
             <a:endParaRPr kumimoji="1" lang="en-US" altLang="ja-JP" dirty="0" smtClean="0"/>
@@ -4139,11 +4139,25 @@
           <a:p>
             <a:r>
               <a:rPr lang="ja-JP" altLang="en-US" dirty="0" smtClean="0"/>
-              <a:t>上記より利用できる</a:t>
-            </a:r>
+              <a:t>上記より利用</a:t>
+            </a:r>
+            <a:r>
+              <a:rPr lang="ja-JP" altLang="en-US" dirty="0" smtClean="0"/>
+              <a:t>できる</a:t>
+            </a:r>
+            <a:endParaRPr lang="en-US" altLang="ja-JP" dirty="0" smtClean="0"/>
+          </a:p>
+          <a:p>
+            <a:pPr marL="0" indent="0">
+              <a:buNone/>
+            </a:pPr>
             <a:r>
               <a:rPr lang="en-US" altLang="ja-JP" dirty="0" smtClean="0"/>
-              <a:t>”customizing </a:t>
+              <a:t>”</a:t>
+            </a:r>
+            <a:r>
+              <a:rPr lang="en-US" altLang="ja-JP" dirty="0" smtClean="0"/>
+              <a:t>customizing </a:t>
             </a:r>
             <a:r>
               <a:rPr lang="en-US" altLang="ja-JP" dirty="0" smtClean="0"/>
@@ -4320,7 +4334,7 @@
               <a:rPr kumimoji="1" lang="ja-JP" altLang="en-US" smtClean="0"/>
               <a:t>5</a:t>
             </a:fld>
-            <a:endParaRPr kumimoji="1" lang="ja-JP" altLang="en-US"/>
+            <a:endParaRPr kumimoji="1" lang="ja-JP" altLang="en-US" dirty="0"/>
           </a:p>
         </p:txBody>
       </p:sp>
@@ -4372,6 +4386,66 @@
           </a:prstGeom>
         </p:spPr>
       </p:pic>
+      <p:sp>
+        <p:nvSpPr>
+          <p:cNvPr id="8" name="テキスト ボックス 7"/>
+          <p:cNvSpPr txBox="1"/>
+          <p:nvPr/>
+        </p:nvSpPr>
+        <p:spPr>
+          <a:xfrm>
+            <a:off x="1165253" y="6036658"/>
+            <a:ext cx="1107996" cy="369332"/>
+          </a:xfrm>
+          <a:prstGeom prst="rect">
+            <a:avLst/>
+          </a:prstGeom>
+          <a:noFill/>
+        </p:spPr>
+        <p:txBody>
+          <a:bodyPr wrap="none" rtlCol="0">
+            <a:spAutoFit/>
+          </a:bodyPr>
+          <a:lstStyle/>
+          <a:p>
+            <a:r>
+              <a:rPr kumimoji="1" lang="ja-JP" altLang="en-US" dirty="0" smtClean="0"/>
+              <a:t>初期状態</a:t>
+            </a:r>
+            <a:endParaRPr kumimoji="1" lang="ja-JP" altLang="en-US" dirty="0"/>
+          </a:p>
+        </p:txBody>
+      </p:sp>
+      <p:sp>
+        <p:nvSpPr>
+          <p:cNvPr id="9" name="テキスト ボックス 8"/>
+          <p:cNvSpPr txBox="1"/>
+          <p:nvPr/>
+        </p:nvSpPr>
+        <p:spPr>
+          <a:xfrm>
+            <a:off x="5340743" y="5987019"/>
+            <a:ext cx="1569660" cy="369332"/>
+          </a:xfrm>
+          <a:prstGeom prst="rect">
+            <a:avLst/>
+          </a:prstGeom>
+          <a:noFill/>
+        </p:spPr>
+        <p:txBody>
+          <a:bodyPr wrap="none" rtlCol="0">
+            <a:spAutoFit/>
+          </a:bodyPr>
+          <a:lstStyle/>
+          <a:p>
+            <a:r>
+              <a:rPr kumimoji="1" lang="ja-JP" altLang="en-US" dirty="0" smtClean="0"/>
+              <a:t>テーマの設定</a:t>
+            </a:r>
+            <a:endParaRPr kumimoji="1" lang="ja-JP" altLang="en-US" dirty="0"/>
+          </a:p>
+        </p:txBody>
+      </p:sp>
     </p:spTree>
     <p:extLst>
       <p:ext uri="{BB962C8B-B14F-4D97-AF65-F5344CB8AC3E}">
@@ -4445,7 +4519,7 @@
         <p:spPr/>
         <p:txBody>
           <a:bodyPr>
-            <a:normAutofit fontScale="77500" lnSpcReduction="20000"/>
+            <a:normAutofit fontScale="85000" lnSpcReduction="20000"/>
           </a:bodyPr>
           <a:lstStyle/>
           <a:p>
@@ -4463,7 +4537,19 @@
             </a:r>
             <a:r>
               <a:rPr lang="ja-JP" altLang="en-US" dirty="0" smtClean="0"/>
-              <a:t>のツールボックスを編集した</a:t>
+              <a:t>の</a:t>
+            </a:r>
+            <a:r>
+              <a:rPr lang="ja-JP" altLang="en-US" dirty="0"/>
+              <a:t>背景色</a:t>
+            </a:r>
+            <a:r>
+              <a:rPr lang="ja-JP" altLang="en-US" dirty="0" smtClean="0"/>
+              <a:t>を</a:t>
+            </a:r>
+            <a:r>
+              <a:rPr lang="ja-JP" altLang="en-US" dirty="0" smtClean="0"/>
+              <a:t>編集した</a:t>
             </a:r>
             <a:endParaRPr lang="en-US" altLang="ja-JP" dirty="0" smtClean="0"/>
           </a:p>
@@ -4490,39 +4576,23 @@
           <a:p>
             <a:r>
               <a:rPr lang="ja-JP" altLang="en-US" dirty="0" smtClean="0"/>
-              <a:t>今後したいこと</a:t>
+              <a:t>今後したい</a:t>
+            </a:r>
+            <a:r>
+              <a:rPr lang="ja-JP" altLang="en-US" dirty="0" smtClean="0"/>
+              <a:t>こと</a:t>
             </a:r>
             <a:endParaRPr lang="en-US" altLang="ja-JP" dirty="0" smtClean="0"/>
           </a:p>
           <a:p>
             <a:pPr lvl="1"/>
             <a:r>
-              <a:rPr lang="en-US" altLang="ja-JP" dirty="0" err="1" smtClean="0"/>
-              <a:t>Blockly</a:t>
-            </a:r>
-            <a:r>
               <a:rPr lang="ja-JP" altLang="en-US" dirty="0" smtClean="0"/>
-              <a:t>の命令ブロックをオリジナルでも作れるようにする</a:t>
-            </a:r>
-            <a:endParaRPr lang="en-US" altLang="ja-JP" dirty="0" smtClean="0"/>
-          </a:p>
-          <a:p>
-            <a:pPr lvl="1"/>
-            <a:r>
-              <a:rPr lang="en-US" altLang="ja-JP" dirty="0" err="1" smtClean="0"/>
-              <a:t>Blockly</a:t>
+              <a:t>ブロックプログラム</a:t>
             </a:r>
             <a:r>
               <a:rPr lang="ja-JP" altLang="en-US" dirty="0" smtClean="0"/>
-              <a:t>の命令ブロックの画像作成について</a:t>
-            </a:r>
-            <a:endParaRPr lang="en-US" altLang="ja-JP" dirty="0" smtClean="0"/>
-          </a:p>
-          <a:p>
-            <a:pPr lvl="1"/>
-            <a:r>
-              <a:rPr lang="ja-JP" altLang="en-US" dirty="0" smtClean="0"/>
-              <a:t>ブロックプログラムから高級言語への変換</a:t>
+              <a:t>から高級言語への変換</a:t>
             </a:r>
             <a:endParaRPr lang="en-US" altLang="ja-JP" dirty="0" smtClean="0"/>
           </a:p>

--- a/1821121_shimaoka_sotsuken_521.pptx
+++ b/1821121_shimaoka_sotsuken_521.pptx
@@ -9,12 +9,12 @@
   </p:notesMasterIdLst>
   <p:sldIdLst>
     <p:sldId id="257" r:id="rId2"/>
-    <p:sldId id="258" r:id="rId3"/>
-    <p:sldId id="263" r:id="rId4"/>
-    <p:sldId id="259" r:id="rId5"/>
-    <p:sldId id="260" r:id="rId6"/>
-    <p:sldId id="261" r:id="rId7"/>
-    <p:sldId id="262" r:id="rId8"/>
+    <p:sldId id="263" r:id="rId3"/>
+    <p:sldId id="262" r:id="rId4"/>
+    <p:sldId id="258" r:id="rId5"/>
+    <p:sldId id="259" r:id="rId6"/>
+    <p:sldId id="260" r:id="rId7"/>
+    <p:sldId id="261" r:id="rId8"/>
   </p:sldIdLst>
   <p:sldSz cx="9144000" cy="6858000" type="screen4x3"/>
   <p:notesSz cx="6858000" cy="9144000"/>
@@ -3795,20 +3795,8 @@
           <a:lstStyle/>
           <a:p>
             <a:r>
-              <a:rPr kumimoji="1" lang="en-US" altLang="ja-JP" dirty="0" smtClean="0"/>
-              <a:t>5/15 </a:t>
-            </a:r>
-            <a:r>
-              <a:rPr kumimoji="1" lang="en-US" altLang="ja-JP" dirty="0" smtClean="0"/>
-              <a:t>~ </a:t>
-            </a:r>
-            <a:r>
-              <a:rPr kumimoji="1" lang="en-US" altLang="ja-JP" dirty="0" smtClean="0"/>
-              <a:t>5/21</a:t>
-            </a:r>
-            <a:r>
               <a:rPr kumimoji="1" lang="ja-JP" altLang="en-US" dirty="0" smtClean="0"/>
-              <a:t>進捗</a:t>
+              <a:t>目標</a:t>
             </a:r>
             <a:endParaRPr kumimoji="1" lang="ja-JP" altLang="en-US" dirty="0"/>
           </a:p>
@@ -3830,41 +3818,58 @@
           <a:lstStyle/>
           <a:p>
             <a:r>
+              <a:rPr kumimoji="1" lang="en-US" altLang="ja-JP" dirty="0" err="1" smtClean="0"/>
+              <a:t>Blockly</a:t>
+            </a:r>
+            <a:r>
+              <a:rPr lang="ja-JP" altLang="en-US" dirty="0"/>
+              <a:t>に</a:t>
+            </a:r>
+            <a:r>
               <a:rPr lang="ja-JP" altLang="en-US" dirty="0" smtClean="0"/>
-              <a:t>公式に用意された</a:t>
-            </a:r>
-            <a:r>
-              <a:rPr lang="en-US" altLang="ja-JP" dirty="0" err="1" smtClean="0"/>
-              <a:t>Blockly</a:t>
-            </a:r>
-            <a:r>
-              <a:rPr lang="ja-JP" altLang="en-US" dirty="0" smtClean="0"/>
-              <a:t>入門のアプリケーションを利用し、</a:t>
-            </a:r>
-            <a:r>
-              <a:rPr lang="en-US" altLang="ja-JP" dirty="0" err="1" smtClean="0"/>
-              <a:t>Blockly</a:t>
-            </a:r>
-            <a:r>
-              <a:rPr lang="ja-JP" altLang="en-US" dirty="0" smtClean="0"/>
-              <a:t>に</a:t>
-            </a:r>
-            <a:r>
-              <a:rPr lang="ja-JP" altLang="en-US" dirty="0" smtClean="0"/>
-              <a:t>触れた</a:t>
+              <a:t>よるブロックプログラムとプログラミング言語によるコーディングへの変換</a:t>
             </a:r>
             <a:endParaRPr lang="en-US" altLang="ja-JP" dirty="0" smtClean="0"/>
           </a:p>
           <a:p>
+            <a:endParaRPr kumimoji="1" lang="en-US" altLang="ja-JP" dirty="0"/>
+          </a:p>
+          <a:p>
+            <a:r>
+              <a:rPr kumimoji="1" lang="ja-JP" altLang="en-US" dirty="0" smtClean="0"/>
+              <a:t>複数の言語での実行</a:t>
+            </a:r>
+            <a:endParaRPr kumimoji="1" lang="en-US" altLang="ja-JP" dirty="0" smtClean="0"/>
+          </a:p>
+          <a:p>
+            <a:pPr lvl="1"/>
+            <a:r>
+              <a:rPr kumimoji="1" lang="en-US" altLang="ja-JP" dirty="0" err="1" smtClean="0"/>
+              <a:t>Javascript</a:t>
+            </a:r>
+            <a:r>
+              <a:rPr kumimoji="1" lang="ja-JP" altLang="en-US" dirty="0" smtClean="0"/>
+              <a:t>以外の言語の場合の実行の方法について</a:t>
+            </a:r>
+            <a:endParaRPr kumimoji="1" lang="en-US" altLang="ja-JP" dirty="0" smtClean="0"/>
+          </a:p>
+          <a:p>
+            <a:pPr marL="0" indent="0">
+              <a:buNone/>
+            </a:pPr>
+            <a:endParaRPr lang="en-US" altLang="ja-JP" dirty="0" smtClean="0"/>
+          </a:p>
+          <a:p>
+            <a:r>
+              <a:rPr kumimoji="1" lang="ja-JP" altLang="en-US" dirty="0" smtClean="0"/>
+              <a:t>穴埋めにするアルゴリズムの考案</a:t>
+            </a:r>
+            <a:endParaRPr kumimoji="1" lang="en-US" altLang="ja-JP" dirty="0" smtClean="0"/>
+          </a:p>
+          <a:p>
             <a:endParaRPr lang="en-US" altLang="ja-JP" dirty="0"/>
           </a:p>
           <a:p>
-            <a:endParaRPr lang="en-US" altLang="ja-JP" dirty="0" smtClean="0"/>
-          </a:p>
-          <a:p>
-            <a:endParaRPr lang="en-US" altLang="ja-JP" dirty="0" smtClean="0"/>
-          </a:p>
-          <a:p>
             <a:endParaRPr kumimoji="1" lang="ja-JP" altLang="en-US" dirty="0"/>
           </a:p>
         </p:txBody>
@@ -3884,7 +3889,7 @@
           <a:bodyPr/>
           <a:lstStyle/>
           <a:p>
-            <a:fld id="{010A43D1-8C5F-4BB5-96AD-6A66B588192F}" type="slidenum">
+            <a:fld id="{4A32CB03-0843-4AF8-BFB2-C9917854BC7E}" type="slidenum">
               <a:rPr kumimoji="1" lang="ja-JP" altLang="en-US" smtClean="0"/>
               <a:t>2</a:t>
             </a:fld>
@@ -3895,20 +3900,13 @@
     </p:spTree>
     <p:extLst>
       <p:ext uri="{BB962C8B-B14F-4D97-AF65-F5344CB8AC3E}">
-        <p14:creationId xmlns:p14="http://schemas.microsoft.com/office/powerpoint/2010/main" val="1254730122"/>
+        <p14:creationId xmlns:p14="http://schemas.microsoft.com/office/powerpoint/2010/main" val="1632152331"/>
       </p:ext>
     </p:extLst>
   </p:cSld>
   <p:clrMapOvr>
     <a:masterClrMapping/>
   </p:clrMapOvr>
-  <p:timing>
-    <p:tnLst>
-      <p:par>
-        <p:cTn id="1" dur="indefinite" restart="never" nodeType="tmRoot"/>
-      </p:par>
-    </p:tnLst>
-  </p:timing>
 </p:sld>
 </file>
 
@@ -3945,63 +3943,51 @@
           <a:lstStyle/>
           <a:p>
             <a:r>
+              <a:rPr lang="ja-JP" altLang="en-US" dirty="0" smtClean="0"/>
+              <a:t>課題と目標</a:t>
+            </a:r>
+            <a:endParaRPr kumimoji="1" lang="ja-JP" altLang="en-US" dirty="0"/>
+          </a:p>
+        </p:txBody>
+      </p:sp>
+      <p:sp>
+        <p:nvSpPr>
+          <p:cNvPr id="3" name="コンテンツ プレースホルダー 2"/>
+          <p:cNvSpPr>
+            <a:spLocks noGrp="1"/>
+          </p:cNvSpPr>
+          <p:nvPr>
+            <p:ph idx="1"/>
+          </p:nvPr>
+        </p:nvSpPr>
+        <p:spPr/>
+        <p:txBody>
+          <a:bodyPr>
+            <a:normAutofit/>
+          </a:bodyPr>
+          <a:lstStyle/>
+          <a:p>
+            <a:r>
+              <a:rPr lang="ja-JP" altLang="en-US" dirty="0" smtClean="0"/>
+              <a:t>技術的課題</a:t>
+            </a:r>
+            <a:endParaRPr lang="en-US" altLang="ja-JP" dirty="0" smtClean="0"/>
+          </a:p>
+          <a:p>
+            <a:pPr lvl="1"/>
+            <a:r>
               <a:rPr kumimoji="1" lang="ja-JP" altLang="en-US" dirty="0" smtClean="0"/>
-              <a:t>目標</a:t>
-            </a:r>
-            <a:endParaRPr kumimoji="1" lang="ja-JP" altLang="en-US" dirty="0"/>
-          </a:p>
-        </p:txBody>
-      </p:sp>
-      <p:sp>
-        <p:nvSpPr>
-          <p:cNvPr id="3" name="コンテンツ プレースホルダー 2"/>
-          <p:cNvSpPr>
-            <a:spLocks noGrp="1"/>
-          </p:cNvSpPr>
-          <p:nvPr>
-            <p:ph idx="1"/>
-          </p:nvPr>
-        </p:nvSpPr>
-        <p:spPr/>
-        <p:txBody>
-          <a:bodyPr/>
-          <a:lstStyle/>
-          <a:p>
-            <a:r>
-              <a:rPr kumimoji="1" lang="en-US" altLang="ja-JP" dirty="0" err="1" smtClean="0"/>
-              <a:t>Blockly</a:t>
-            </a:r>
-            <a:r>
-              <a:rPr lang="ja-JP" altLang="en-US" dirty="0"/>
-              <a:t>に</a:t>
-            </a:r>
-            <a:r>
-              <a:rPr lang="ja-JP" altLang="en-US" dirty="0" smtClean="0"/>
-              <a:t>よるブロックプログラムとプログラミング言語によるコーディングへの変換</a:t>
-            </a:r>
-            <a:endParaRPr lang="en-US" altLang="ja-JP" dirty="0" smtClean="0"/>
-          </a:p>
-          <a:p>
+              <a:t>現在ブロックプログラムから高級言語に変換できていない</a:t>
+            </a:r>
+            <a:endParaRPr kumimoji="1" lang="en-US" altLang="ja-JP" dirty="0" smtClean="0"/>
+          </a:p>
+          <a:p>
+            <a:pPr lvl="1"/>
+            <a:r>
+              <a:rPr kumimoji="1" lang="ja-JP" altLang="en-US" dirty="0" smtClean="0"/>
+              <a:t>穴埋めのようなものの作成もできていない</a:t>
+            </a:r>
             <a:endParaRPr kumimoji="1" lang="en-US" altLang="ja-JP" dirty="0"/>
-          </a:p>
-          <a:p>
-            <a:r>
-              <a:rPr kumimoji="1" lang="ja-JP" altLang="en-US" dirty="0" smtClean="0"/>
-              <a:t>複数の言語での実行</a:t>
-            </a:r>
-            <a:endParaRPr kumimoji="1" lang="en-US" altLang="ja-JP" dirty="0" smtClean="0"/>
-          </a:p>
-          <a:p>
-            <a:pPr lvl="1"/>
-            <a:r>
-              <a:rPr kumimoji="1" lang="en-US" altLang="ja-JP" dirty="0" err="1" smtClean="0"/>
-              <a:t>Javascript</a:t>
-            </a:r>
-            <a:r>
-              <a:rPr kumimoji="1" lang="ja-JP" altLang="en-US" dirty="0" smtClean="0"/>
-              <a:t>以外の言語の場合の実行の方法について</a:t>
-            </a:r>
-            <a:endParaRPr kumimoji="1" lang="en-US" altLang="ja-JP" dirty="0" smtClean="0"/>
           </a:p>
           <a:p>
             <a:pPr marL="0" indent="0">
@@ -4010,17 +3996,7 @@
             <a:endParaRPr lang="en-US" altLang="ja-JP" dirty="0" smtClean="0"/>
           </a:p>
           <a:p>
-            <a:r>
-              <a:rPr kumimoji="1" lang="ja-JP" altLang="en-US" dirty="0" smtClean="0"/>
-              <a:t>穴埋めにするアルゴリズムの考案</a:t>
-            </a:r>
-            <a:endParaRPr kumimoji="1" lang="en-US" altLang="ja-JP" dirty="0" smtClean="0"/>
-          </a:p>
-          <a:p>
-            <a:endParaRPr lang="en-US" altLang="ja-JP" dirty="0"/>
-          </a:p>
-          <a:p>
-            <a:endParaRPr kumimoji="1" lang="ja-JP" altLang="en-US" dirty="0"/>
+            <a:endParaRPr lang="en-US" altLang="ja-JP" dirty="0" smtClean="0"/>
           </a:p>
         </p:txBody>
       </p:sp>
@@ -4039,7 +4015,7 @@
           <a:bodyPr/>
           <a:lstStyle/>
           <a:p>
-            <a:fld id="{4A32CB03-0843-4AF8-BFB2-C9917854BC7E}" type="slidenum">
+            <a:fld id="{010A43D1-8C5F-4BB5-96AD-6A66B588192F}" type="slidenum">
               <a:rPr kumimoji="1" lang="ja-JP" altLang="en-US" smtClean="0"/>
               <a:t>3</a:t>
             </a:fld>
@@ -4050,13 +4026,20 @@
     </p:spTree>
     <p:extLst>
       <p:ext uri="{BB962C8B-B14F-4D97-AF65-F5344CB8AC3E}">
-        <p14:creationId xmlns:p14="http://schemas.microsoft.com/office/powerpoint/2010/main" val="1632152331"/>
+        <p14:creationId xmlns:p14="http://schemas.microsoft.com/office/powerpoint/2010/main" val="2826616788"/>
       </p:ext>
     </p:extLst>
   </p:cSld>
   <p:clrMapOvr>
     <a:masterClrMapping/>
   </p:clrMapOvr>
+  <p:timing>
+    <p:tnLst>
+      <p:par>
+        <p:cTn id="1" dur="indefinite" restart="never" nodeType="tmRoot"/>
+      </p:par>
+    </p:tnLst>
+  </p:timing>
 </p:sld>
 </file>
 
@@ -4093,12 +4076,20 @@
           <a:lstStyle/>
           <a:p>
             <a:r>
-              <a:rPr kumimoji="1" lang="en-US" altLang="ja-JP" dirty="0" err="1" smtClean="0"/>
-              <a:t>Blockly</a:t>
+              <a:rPr kumimoji="1" lang="en-US" altLang="ja-JP" dirty="0" smtClean="0"/>
+              <a:t>5/15 </a:t>
+            </a:r>
+            <a:r>
+              <a:rPr kumimoji="1" lang="en-US" altLang="ja-JP" dirty="0" smtClean="0"/>
+              <a:t>~ </a:t>
+            </a:r>
+            <a:r>
+              <a:rPr kumimoji="1" lang="en-US" altLang="ja-JP" dirty="0" smtClean="0"/>
+              <a:t>5/21</a:t>
             </a:r>
             <a:r>
               <a:rPr kumimoji="1" lang="ja-JP" altLang="en-US" dirty="0" smtClean="0"/>
-              <a:t>入門</a:t>
+              <a:t>進捗</a:t>
             </a:r>
             <a:endParaRPr kumimoji="1" lang="ja-JP" altLang="en-US" dirty="0"/>
           </a:p>
@@ -4120,111 +4111,42 @@
           <a:lstStyle/>
           <a:p>
             <a:r>
-              <a:rPr lang="en-US" altLang="ja-JP" dirty="0">
-                <a:hlinkClick r:id="rId2"/>
-              </a:rPr>
-              <a:t>https://blocklycodelabs.dev/codelabs/getting-started/index.html?index=..%2F..</a:t>
-            </a:r>
-            <a:r>
-              <a:rPr lang="en-US" altLang="ja-JP" dirty="0" smtClean="0">
-                <a:hlinkClick r:id="rId2"/>
-              </a:rPr>
-              <a:t>index#0</a:t>
-            </a:r>
-            <a:endParaRPr lang="en-US" altLang="ja-JP" dirty="0" smtClean="0"/>
-          </a:p>
-          <a:p>
-            <a:endParaRPr kumimoji="1" lang="en-US" altLang="ja-JP" dirty="0" smtClean="0"/>
-          </a:p>
-          <a:p>
-            <a:r>
               <a:rPr lang="ja-JP" altLang="en-US" dirty="0" smtClean="0"/>
-              <a:t>上記より利用</a:t>
-            </a:r>
-            <a:r>
-              <a:rPr lang="ja-JP" altLang="en-US" dirty="0" smtClean="0"/>
-              <a:t>できる</a:t>
-            </a:r>
-            <a:endParaRPr lang="en-US" altLang="ja-JP" dirty="0" smtClean="0"/>
-          </a:p>
-          <a:p>
-            <a:pPr marL="0" indent="0">
-              <a:buNone/>
-            </a:pPr>
-            <a:r>
-              <a:rPr lang="en-US" altLang="ja-JP" dirty="0" smtClean="0"/>
-              <a:t>”</a:t>
-            </a:r>
-            <a:r>
-              <a:rPr lang="en-US" altLang="ja-JP" dirty="0" smtClean="0"/>
-              <a:t>customizing </a:t>
-            </a:r>
-            <a:r>
-              <a:rPr lang="en-US" altLang="ja-JP" dirty="0" smtClean="0"/>
-              <a:t>your themes”</a:t>
-            </a:r>
-          </a:p>
-          <a:p>
-            <a:pPr marL="0" indent="0">
-              <a:buNone/>
-            </a:pPr>
-            <a:r>
-              <a:rPr lang="ja-JP" altLang="en-US" dirty="0" smtClean="0"/>
-              <a:t>の</a:t>
-            </a:r>
-            <a:r>
-              <a:rPr lang="ja-JP" altLang="en-US" dirty="0" smtClean="0"/>
-              <a:t>内容</a:t>
-            </a:r>
-            <a:r>
-              <a:rPr lang="ja-JP" altLang="en-US" dirty="0"/>
-              <a:t>を</a:t>
-            </a:r>
-            <a:r>
-              <a:rPr lang="ja-JP" altLang="en-US" dirty="0" smtClean="0"/>
-              <a:t>実際に作成した</a:t>
-            </a:r>
-            <a:endParaRPr lang="en-US" altLang="ja-JP" dirty="0" smtClean="0"/>
-          </a:p>
-          <a:p>
-            <a:pPr lvl="1"/>
-            <a:r>
-              <a:rPr kumimoji="1" lang="en-US" altLang="ja-JP" dirty="0" err="1" smtClean="0"/>
-              <a:t>Blockly</a:t>
-            </a:r>
-            <a:r>
-              <a:rPr kumimoji="1" lang="ja-JP" altLang="en-US" dirty="0" smtClean="0"/>
-              <a:t>の</a:t>
-            </a:r>
-            <a:r>
-              <a:rPr lang="ja-JP" altLang="en-US" dirty="0" smtClean="0"/>
-              <a:t>ツールボックス</a:t>
-            </a:r>
-            <a:r>
-              <a:rPr lang="ja-JP" altLang="en-US" dirty="0"/>
-              <a:t>カラー</a:t>
-            </a:r>
-            <a:r>
-              <a:rPr lang="ja-JP" altLang="en-US" dirty="0" smtClean="0"/>
-              <a:t>の変更</a:t>
-            </a:r>
-            <a:endParaRPr lang="en-US" altLang="ja-JP" dirty="0" smtClean="0"/>
-          </a:p>
-          <a:p>
-            <a:pPr lvl="1"/>
+              <a:t>公式に用意された</a:t>
+            </a:r>
             <a:r>
               <a:rPr lang="en-US" altLang="ja-JP" dirty="0" err="1" smtClean="0"/>
               <a:t>Blockly</a:t>
             </a:r>
             <a:r>
-              <a:rPr lang="ja-JP" altLang="en-US" dirty="0" err="1" smtClean="0"/>
-              <a:t>のの</a:t>
-            </a:r>
-            <a:r>
               <a:rPr lang="ja-JP" altLang="en-US" dirty="0" smtClean="0"/>
-              <a:t>背景色の変更</a:t>
+              <a:t>入門のアプリケーションを利用し、</a:t>
+            </a:r>
+            <a:r>
+              <a:rPr lang="en-US" altLang="ja-JP" dirty="0" err="1" smtClean="0"/>
+              <a:t>Blockly</a:t>
+            </a:r>
+            <a:r>
+              <a:rPr lang="ja-JP" altLang="en-US" dirty="0" smtClean="0"/>
+              <a:t>に</a:t>
+            </a:r>
+            <a:r>
+              <a:rPr lang="ja-JP" altLang="en-US" dirty="0" smtClean="0"/>
+              <a:t>触れた</a:t>
             </a:r>
             <a:endParaRPr lang="en-US" altLang="ja-JP" dirty="0" smtClean="0"/>
+          </a:p>
+          <a:p>
+            <a:endParaRPr lang="en-US" altLang="ja-JP" dirty="0"/>
+          </a:p>
+          <a:p>
+            <a:endParaRPr lang="en-US" altLang="ja-JP" dirty="0" smtClean="0"/>
+          </a:p>
+          <a:p>
+            <a:endParaRPr lang="en-US" altLang="ja-JP" dirty="0" smtClean="0"/>
+          </a:p>
+          <a:p>
+            <a:endParaRPr kumimoji="1" lang="ja-JP" altLang="en-US" dirty="0"/>
           </a:p>
         </p:txBody>
       </p:sp>
@@ -4254,7 +4176,7 @@
     </p:spTree>
     <p:extLst>
       <p:ext uri="{BB962C8B-B14F-4D97-AF65-F5344CB8AC3E}">
-        <p14:creationId xmlns:p14="http://schemas.microsoft.com/office/powerpoint/2010/main" val="1521431579"/>
+        <p14:creationId xmlns:p14="http://schemas.microsoft.com/office/powerpoint/2010/main" val="1254730122"/>
       </p:ext>
     </p:extLst>
   </p:cSld>
@@ -4317,6 +4239,130 @@
       </p:sp>
       <p:sp>
         <p:nvSpPr>
+          <p:cNvPr id="3" name="コンテンツ プレースホルダー 2"/>
+          <p:cNvSpPr>
+            <a:spLocks noGrp="1"/>
+          </p:cNvSpPr>
+          <p:nvPr>
+            <p:ph idx="1"/>
+          </p:nvPr>
+        </p:nvSpPr>
+        <p:spPr/>
+        <p:txBody>
+          <a:bodyPr/>
+          <a:lstStyle/>
+          <a:p>
+            <a:r>
+              <a:rPr lang="en-US" altLang="ja-JP" dirty="0">
+                <a:hlinkClick r:id="rId2"/>
+              </a:rPr>
+              <a:t>https://blocklycodelabs.dev/codelabs/getting-started/index.html?index=..%2F..</a:t>
+            </a:r>
+            <a:r>
+              <a:rPr lang="en-US" altLang="ja-JP" dirty="0" smtClean="0">
+                <a:hlinkClick r:id="rId2"/>
+              </a:rPr>
+              <a:t>index#0</a:t>
+            </a:r>
+            <a:endParaRPr lang="en-US" altLang="ja-JP" dirty="0" smtClean="0"/>
+          </a:p>
+          <a:p>
+            <a:endParaRPr kumimoji="1" lang="en-US" altLang="ja-JP" dirty="0" smtClean="0"/>
+          </a:p>
+          <a:p>
+            <a:r>
+              <a:rPr lang="ja-JP" altLang="en-US" dirty="0" smtClean="0"/>
+              <a:t>上記より利用</a:t>
+            </a:r>
+            <a:r>
+              <a:rPr lang="ja-JP" altLang="en-US" dirty="0" smtClean="0"/>
+              <a:t>できる</a:t>
+            </a:r>
+            <a:endParaRPr lang="en-US" altLang="ja-JP" dirty="0" smtClean="0"/>
+          </a:p>
+          <a:p>
+            <a:pPr marL="0" indent="0">
+              <a:buNone/>
+            </a:pPr>
+            <a:r>
+              <a:rPr lang="en-US" altLang="ja-JP" dirty="0" smtClean="0"/>
+              <a:t>”</a:t>
+            </a:r>
+            <a:r>
+              <a:rPr lang="en-US" altLang="ja-JP" dirty="0" smtClean="0"/>
+              <a:t>customizing </a:t>
+            </a:r>
+            <a:r>
+              <a:rPr lang="en-US" altLang="ja-JP" dirty="0" smtClean="0"/>
+              <a:t>your themes”</a:t>
+            </a:r>
+          </a:p>
+          <a:p>
+            <a:pPr marL="0" indent="0">
+              <a:buNone/>
+            </a:pPr>
+            <a:r>
+              <a:rPr lang="ja-JP" altLang="en-US" dirty="0" smtClean="0"/>
+              <a:t>の</a:t>
+            </a:r>
+            <a:r>
+              <a:rPr lang="ja-JP" altLang="en-US" dirty="0" smtClean="0"/>
+              <a:t>内容</a:t>
+            </a:r>
+            <a:r>
+              <a:rPr lang="ja-JP" altLang="en-US" dirty="0"/>
+              <a:t>を</a:t>
+            </a:r>
+            <a:r>
+              <a:rPr lang="ja-JP" altLang="en-US" dirty="0" smtClean="0"/>
+              <a:t>実際に作成した</a:t>
+            </a:r>
+            <a:endParaRPr lang="en-US" altLang="ja-JP" dirty="0" smtClean="0"/>
+          </a:p>
+          <a:p>
+            <a:pPr lvl="1"/>
+            <a:r>
+              <a:rPr kumimoji="1" lang="en-US" altLang="ja-JP" dirty="0" err="1" smtClean="0"/>
+              <a:t>Blockly</a:t>
+            </a:r>
+            <a:r>
+              <a:rPr kumimoji="1" lang="ja-JP" altLang="en-US" dirty="0" smtClean="0"/>
+              <a:t>の</a:t>
+            </a:r>
+            <a:r>
+              <a:rPr lang="ja-JP" altLang="en-US" dirty="0" smtClean="0"/>
+              <a:t>ツールボックス</a:t>
+            </a:r>
+            <a:r>
+              <a:rPr lang="ja-JP" altLang="en-US" dirty="0"/>
+              <a:t>カラー</a:t>
+            </a:r>
+            <a:r>
+              <a:rPr lang="ja-JP" altLang="en-US" dirty="0" smtClean="0"/>
+              <a:t>の変更</a:t>
+            </a:r>
+            <a:endParaRPr lang="en-US" altLang="ja-JP" dirty="0" smtClean="0"/>
+          </a:p>
+          <a:p>
+            <a:pPr lvl="1"/>
+            <a:r>
+              <a:rPr lang="en-US" altLang="ja-JP" dirty="0" err="1" smtClean="0"/>
+              <a:t>Blockly</a:t>
+            </a:r>
+            <a:r>
+              <a:rPr lang="ja-JP" altLang="en-US" dirty="0" err="1" smtClean="0"/>
+              <a:t>のの</a:t>
+            </a:r>
+            <a:r>
+              <a:rPr lang="ja-JP" altLang="en-US" dirty="0" smtClean="0"/>
+              <a:t>背景色の変更</a:t>
+            </a:r>
+            <a:endParaRPr lang="en-US" altLang="ja-JP" dirty="0" smtClean="0"/>
+          </a:p>
+        </p:txBody>
+      </p:sp>
+      <p:sp>
+        <p:nvSpPr>
           <p:cNvPr id="4" name="スライド番号プレースホルダー 3"/>
           <p:cNvSpPr>
             <a:spLocks noGrp="1"/>
@@ -4333,6 +4379,93 @@
             <a:fld id="{010A43D1-8C5F-4BB5-96AD-6A66B588192F}" type="slidenum">
               <a:rPr kumimoji="1" lang="ja-JP" altLang="en-US" smtClean="0"/>
               <a:t>5</a:t>
+            </a:fld>
+            <a:endParaRPr kumimoji="1" lang="ja-JP" altLang="en-US"/>
+          </a:p>
+        </p:txBody>
+      </p:sp>
+    </p:spTree>
+    <p:extLst>
+      <p:ext uri="{BB962C8B-B14F-4D97-AF65-F5344CB8AC3E}">
+        <p14:creationId xmlns:p14="http://schemas.microsoft.com/office/powerpoint/2010/main" val="1521431579"/>
+      </p:ext>
+    </p:extLst>
+  </p:cSld>
+  <p:clrMapOvr>
+    <a:masterClrMapping/>
+  </p:clrMapOvr>
+  <p:timing>
+    <p:tnLst>
+      <p:par>
+        <p:cTn id="1" dur="indefinite" restart="never" nodeType="tmRoot"/>
+      </p:par>
+    </p:tnLst>
+  </p:timing>
+</p:sld>
+</file>
+
+<file path=ppt/slides/slide6.xml><?xml version="1.0" encoding="utf-8"?>
+<p:sld xmlns:a="http://schemas.openxmlformats.org/drawingml/2006/main" xmlns:r="http://schemas.openxmlformats.org/officeDocument/2006/relationships" xmlns:p="http://schemas.openxmlformats.org/presentationml/2006/main">
+  <p:cSld>
+    <p:spTree>
+      <p:nvGrpSpPr>
+        <p:cNvPr id="1" name=""/>
+        <p:cNvGrpSpPr/>
+        <p:nvPr/>
+      </p:nvGrpSpPr>
+      <p:grpSpPr>
+        <a:xfrm>
+          <a:off x="0" y="0"/>
+          <a:ext cx="0" cy="0"/>
+          <a:chOff x="0" y="0"/>
+          <a:chExt cx="0" cy="0"/>
+        </a:xfrm>
+      </p:grpSpPr>
+      <p:sp>
+        <p:nvSpPr>
+          <p:cNvPr id="2" name="タイトル 1"/>
+          <p:cNvSpPr>
+            <a:spLocks noGrp="1"/>
+          </p:cNvSpPr>
+          <p:nvPr>
+            <p:ph type="title"/>
+          </p:nvPr>
+        </p:nvSpPr>
+        <p:spPr/>
+        <p:txBody>
+          <a:bodyPr/>
+          <a:lstStyle/>
+          <a:p>
+            <a:r>
+              <a:rPr kumimoji="1" lang="en-US" altLang="ja-JP" dirty="0" err="1" smtClean="0"/>
+              <a:t>Blockly</a:t>
+            </a:r>
+            <a:r>
+              <a:rPr kumimoji="1" lang="ja-JP" altLang="en-US" dirty="0" smtClean="0"/>
+              <a:t>入門</a:t>
+            </a:r>
+            <a:endParaRPr kumimoji="1" lang="ja-JP" altLang="en-US" dirty="0"/>
+          </a:p>
+        </p:txBody>
+      </p:sp>
+      <p:sp>
+        <p:nvSpPr>
+          <p:cNvPr id="4" name="スライド番号プレースホルダー 3"/>
+          <p:cNvSpPr>
+            <a:spLocks noGrp="1"/>
+          </p:cNvSpPr>
+          <p:nvPr>
+            <p:ph type="sldNum" sz="quarter" idx="12"/>
+          </p:nvPr>
+        </p:nvSpPr>
+        <p:spPr/>
+        <p:txBody>
+          <a:bodyPr/>
+          <a:lstStyle/>
+          <a:p>
+            <a:fld id="{010A43D1-8C5F-4BB5-96AD-6A66B588192F}" type="slidenum">
+              <a:rPr kumimoji="1" lang="ja-JP" altLang="en-US" smtClean="0"/>
+              <a:t>6</a:t>
             </a:fld>
             <a:endParaRPr kumimoji="1" lang="ja-JP" altLang="en-US" dirty="0"/>
           </a:p>
@@ -4466,247 +4599,6 @@
 </p:sld>
 </file>
 
-<file path=ppt/slides/slide6.xml><?xml version="1.0" encoding="utf-8"?>
-<p:sld xmlns:a="http://schemas.openxmlformats.org/drawingml/2006/main" xmlns:r="http://schemas.openxmlformats.org/officeDocument/2006/relationships" xmlns:p="http://schemas.openxmlformats.org/presentationml/2006/main">
-  <p:cSld>
-    <p:spTree>
-      <p:nvGrpSpPr>
-        <p:cNvPr id="1" name=""/>
-        <p:cNvGrpSpPr/>
-        <p:nvPr/>
-      </p:nvGrpSpPr>
-      <p:grpSpPr>
-        <a:xfrm>
-          <a:off x="0" y="0"/>
-          <a:ext cx="0" cy="0"/>
-          <a:chOff x="0" y="0"/>
-          <a:chExt cx="0" cy="0"/>
-        </a:xfrm>
-      </p:grpSpPr>
-      <p:sp>
-        <p:nvSpPr>
-          <p:cNvPr id="2" name="タイトル 1"/>
-          <p:cNvSpPr>
-            <a:spLocks noGrp="1"/>
-          </p:cNvSpPr>
-          <p:nvPr>
-            <p:ph type="title"/>
-          </p:nvPr>
-        </p:nvSpPr>
-        <p:spPr/>
-        <p:txBody>
-          <a:bodyPr/>
-          <a:lstStyle/>
-          <a:p>
-            <a:r>
-              <a:rPr lang="ja-JP" altLang="en-US" dirty="0" smtClean="0"/>
-              <a:t>今週の進捗と来週以降の目標まとめ</a:t>
-            </a:r>
-            <a:endParaRPr kumimoji="1" lang="ja-JP" altLang="en-US" dirty="0"/>
-          </a:p>
-        </p:txBody>
-      </p:sp>
-      <p:sp>
-        <p:nvSpPr>
-          <p:cNvPr id="3" name="コンテンツ プレースホルダー 2"/>
-          <p:cNvSpPr>
-            <a:spLocks noGrp="1"/>
-          </p:cNvSpPr>
-          <p:nvPr>
-            <p:ph idx="1"/>
-          </p:nvPr>
-        </p:nvSpPr>
-        <p:spPr/>
-        <p:txBody>
-          <a:bodyPr>
-            <a:normAutofit fontScale="85000" lnSpcReduction="20000"/>
-          </a:bodyPr>
-          <a:lstStyle/>
-          <a:p>
-            <a:r>
-              <a:rPr lang="ja-JP" altLang="en-US" dirty="0" smtClean="0"/>
-              <a:t>できたこと</a:t>
-            </a:r>
-            <a:endParaRPr lang="en-US" altLang="ja-JP" dirty="0" smtClean="0"/>
-          </a:p>
-          <a:p>
-            <a:pPr lvl="1"/>
-            <a:r>
-              <a:rPr lang="en-US" altLang="ja-JP" dirty="0" err="1" smtClean="0"/>
-              <a:t>Blockly</a:t>
-            </a:r>
-            <a:r>
-              <a:rPr lang="ja-JP" altLang="en-US" dirty="0" smtClean="0"/>
-              <a:t>の</a:t>
-            </a:r>
-            <a:r>
-              <a:rPr lang="ja-JP" altLang="en-US" dirty="0"/>
-              <a:t>背景色</a:t>
-            </a:r>
-            <a:r>
-              <a:rPr lang="ja-JP" altLang="en-US" dirty="0" smtClean="0"/>
-              <a:t>を</a:t>
-            </a:r>
-            <a:r>
-              <a:rPr lang="ja-JP" altLang="en-US" dirty="0" smtClean="0"/>
-              <a:t>編集した</a:t>
-            </a:r>
-            <a:endParaRPr lang="en-US" altLang="ja-JP" dirty="0" smtClean="0"/>
-          </a:p>
-          <a:p>
-            <a:pPr lvl="1"/>
-            <a:r>
-              <a:rPr lang="en-US" altLang="ja-JP" dirty="0" err="1" smtClean="0"/>
-              <a:t>Javascript</a:t>
-            </a:r>
-            <a:r>
-              <a:rPr lang="en-US" altLang="ja-JP" dirty="0" smtClean="0"/>
-              <a:t>, </a:t>
-            </a:r>
-            <a:r>
-              <a:rPr lang="en-US" altLang="ja-JP" dirty="0" err="1" smtClean="0"/>
-              <a:t>css</a:t>
-            </a:r>
-            <a:r>
-              <a:rPr lang="ja-JP" altLang="en-US" dirty="0" smtClean="0"/>
-              <a:t>について勉強した</a:t>
-            </a:r>
-            <a:endParaRPr lang="en-US" altLang="ja-JP" dirty="0"/>
-          </a:p>
-          <a:p>
-            <a:r>
-              <a:rPr lang="ja-JP" altLang="en-US" dirty="0" smtClean="0"/>
-              <a:t>今後したい</a:t>
-            </a:r>
-            <a:r>
-              <a:rPr lang="ja-JP" altLang="en-US" dirty="0" smtClean="0"/>
-              <a:t>こと</a:t>
-            </a:r>
-            <a:endParaRPr lang="en-US" altLang="ja-JP" dirty="0" smtClean="0"/>
-          </a:p>
-          <a:p>
-            <a:pPr lvl="1"/>
-            <a:r>
-              <a:rPr lang="ja-JP" altLang="en-US" dirty="0" smtClean="0"/>
-              <a:t>ブロックプログラム</a:t>
-            </a:r>
-            <a:r>
-              <a:rPr lang="ja-JP" altLang="en-US" dirty="0" smtClean="0"/>
-              <a:t>から高級言語への変換</a:t>
-            </a:r>
-            <a:endParaRPr lang="en-US" altLang="ja-JP" dirty="0" smtClean="0"/>
-          </a:p>
-          <a:p>
-            <a:pPr lvl="1"/>
-            <a:endParaRPr lang="en-US" altLang="ja-JP" dirty="0"/>
-          </a:p>
-          <a:p>
-            <a:r>
-              <a:rPr lang="en-US" altLang="ja-JP" dirty="0" err="1"/>
-              <a:t>Blockly</a:t>
-            </a:r>
-            <a:r>
-              <a:rPr lang="ja-JP" altLang="en-US" dirty="0" smtClean="0"/>
-              <a:t>について、より</a:t>
-            </a:r>
-            <a:r>
-              <a:rPr lang="ja-JP" altLang="en-US" dirty="0"/>
-              <a:t>情報を</a:t>
-            </a:r>
-            <a:r>
-              <a:rPr lang="ja-JP" altLang="en-US" dirty="0" smtClean="0"/>
-              <a:t>集める</a:t>
-            </a:r>
-            <a:endParaRPr lang="en-US" altLang="ja-JP" dirty="0" smtClean="0"/>
-          </a:p>
-          <a:p>
-            <a:pPr marL="0" indent="0">
-              <a:buNone/>
-            </a:pPr>
-            <a:r>
-              <a:rPr lang="ja-JP" altLang="en-US" dirty="0" smtClean="0"/>
-              <a:t>（</a:t>
-            </a:r>
-            <a:r>
-              <a:rPr lang="en-US" altLang="ja-JP" dirty="0" err="1" smtClean="0"/>
-              <a:t>Blockly</a:t>
-            </a:r>
-            <a:r>
-              <a:rPr lang="ja-JP" altLang="en-US" dirty="0" smtClean="0"/>
-              <a:t>公式のチュートリアルを一度全部体験する）</a:t>
-            </a:r>
-            <a:endParaRPr kumimoji="1" lang="en-US" altLang="ja-JP" dirty="0" smtClean="0"/>
-          </a:p>
-          <a:p>
-            <a:r>
-              <a:rPr lang="en-US" altLang="ja-JP" dirty="0" err="1" smtClean="0"/>
-              <a:t>Javascript</a:t>
-            </a:r>
-            <a:r>
-              <a:rPr lang="ja-JP" altLang="en-US" dirty="0" smtClean="0"/>
-              <a:t>の勉強を進める</a:t>
-            </a:r>
-            <a:endParaRPr lang="en-US" altLang="ja-JP" dirty="0" smtClean="0"/>
-          </a:p>
-          <a:p>
-            <a:endParaRPr kumimoji="1" lang="en-US" altLang="ja-JP" dirty="0"/>
-          </a:p>
-          <a:p>
-            <a:r>
-              <a:rPr kumimoji="1" lang="en-US" altLang="ja-JP" dirty="0" smtClean="0"/>
-              <a:t>PHP</a:t>
-            </a:r>
-            <a:r>
-              <a:rPr kumimoji="1" lang="ja-JP" altLang="en-US" dirty="0" smtClean="0"/>
-              <a:t>などを実行する際はサーバサイドで一度実行して結果を返す（？）</a:t>
-            </a:r>
-            <a:endParaRPr kumimoji="1" lang="ja-JP" altLang="en-US" dirty="0"/>
-          </a:p>
-        </p:txBody>
-      </p:sp>
-      <p:sp>
-        <p:nvSpPr>
-          <p:cNvPr id="4" name="スライド番号プレースホルダー 3"/>
-          <p:cNvSpPr>
-            <a:spLocks noGrp="1"/>
-          </p:cNvSpPr>
-          <p:nvPr>
-            <p:ph type="sldNum" sz="quarter" idx="12"/>
-          </p:nvPr>
-        </p:nvSpPr>
-        <p:spPr/>
-        <p:txBody>
-          <a:bodyPr/>
-          <a:lstStyle/>
-          <a:p>
-            <a:fld id="{010A43D1-8C5F-4BB5-96AD-6A66B588192F}" type="slidenum">
-              <a:rPr kumimoji="1" lang="ja-JP" altLang="en-US" smtClean="0"/>
-              <a:t>6</a:t>
-            </a:fld>
-            <a:endParaRPr kumimoji="1" lang="ja-JP" altLang="en-US"/>
-          </a:p>
-        </p:txBody>
-      </p:sp>
-    </p:spTree>
-    <p:extLst>
-      <p:ext uri="{BB962C8B-B14F-4D97-AF65-F5344CB8AC3E}">
-        <p14:creationId xmlns:p14="http://schemas.microsoft.com/office/powerpoint/2010/main" val="3437852389"/>
-      </p:ext>
-    </p:extLst>
-  </p:cSld>
-  <p:clrMapOvr>
-    <a:masterClrMapping/>
-  </p:clrMapOvr>
-  <p:timing>
-    <p:tnLst>
-      <p:par>
-        <p:cTn id="1" dur="indefinite" restart="never" nodeType="tmRoot"/>
-      </p:par>
-    </p:tnLst>
-  </p:timing>
-</p:sld>
-</file>
-
 <file path=ppt/slides/slide7.xml><?xml version="1.0" encoding="utf-8"?>
 <p:sld xmlns:a="http://schemas.openxmlformats.org/drawingml/2006/main" xmlns:r="http://schemas.openxmlformats.org/officeDocument/2006/relationships" xmlns:p="http://schemas.openxmlformats.org/presentationml/2006/main">
   <p:cSld>
@@ -4741,7 +4633,7 @@
           <a:p>
             <a:r>
               <a:rPr lang="ja-JP" altLang="en-US" dirty="0" smtClean="0"/>
-              <a:t>課題と目標</a:t>
+              <a:t>今週の進捗と来週以降の目標まとめ</a:t>
             </a:r>
             <a:endParaRPr kumimoji="1" lang="ja-JP" altLang="en-US" dirty="0"/>
           </a:p>
@@ -4760,40 +4652,148 @@
         <p:spPr/>
         <p:txBody>
           <a:bodyPr>
-            <a:normAutofit/>
+            <a:normAutofit fontScale="85000" lnSpcReduction="20000"/>
           </a:bodyPr>
           <a:lstStyle/>
           <a:p>
             <a:r>
               <a:rPr lang="ja-JP" altLang="en-US" dirty="0" smtClean="0"/>
-              <a:t>技術的課題</a:t>
+              <a:t>できたこと</a:t>
             </a:r>
             <a:endParaRPr lang="en-US" altLang="ja-JP" dirty="0" smtClean="0"/>
           </a:p>
           <a:p>
             <a:pPr lvl="1"/>
             <a:r>
+              <a:rPr lang="en-US" altLang="ja-JP" dirty="0" err="1" smtClean="0"/>
+              <a:t>Blockly</a:t>
+            </a:r>
+            <a:r>
+              <a:rPr lang="ja-JP" altLang="en-US" dirty="0" smtClean="0"/>
+              <a:t>の</a:t>
+            </a:r>
+            <a:r>
+              <a:rPr lang="ja-JP" altLang="en-US" dirty="0"/>
+              <a:t>背景色</a:t>
+            </a:r>
+            <a:r>
+              <a:rPr lang="ja-JP" altLang="en-US" dirty="0" smtClean="0"/>
+              <a:t>を</a:t>
+            </a:r>
+            <a:r>
+              <a:rPr lang="ja-JP" altLang="en-US" dirty="0" smtClean="0"/>
+              <a:t>編集した</a:t>
+            </a:r>
+            <a:endParaRPr lang="en-US" altLang="ja-JP" dirty="0" smtClean="0"/>
+          </a:p>
+          <a:p>
+            <a:pPr lvl="1"/>
+            <a:r>
+              <a:rPr lang="en-US" altLang="ja-JP" dirty="0" err="1" smtClean="0"/>
+              <a:t>Javascript</a:t>
+            </a:r>
+            <a:r>
+              <a:rPr lang="en-US" altLang="ja-JP" dirty="0" smtClean="0"/>
+              <a:t>, </a:t>
+            </a:r>
+            <a:r>
+              <a:rPr lang="en-US" altLang="ja-JP" dirty="0" err="1" smtClean="0"/>
+              <a:t>css</a:t>
+            </a:r>
+            <a:r>
+              <a:rPr lang="ja-JP" altLang="en-US" dirty="0" smtClean="0"/>
+              <a:t>について勉強した</a:t>
+            </a:r>
+            <a:endParaRPr lang="en-US" altLang="ja-JP" dirty="0"/>
+          </a:p>
+          <a:p>
+            <a:r>
+              <a:rPr lang="ja-JP" altLang="en-US" dirty="0" smtClean="0"/>
+              <a:t>今後したい</a:t>
+            </a:r>
+            <a:r>
+              <a:rPr lang="ja-JP" altLang="en-US" dirty="0" smtClean="0"/>
+              <a:t>こと</a:t>
+            </a:r>
+            <a:endParaRPr lang="en-US" altLang="ja-JP" dirty="0" smtClean="0"/>
+          </a:p>
+          <a:p>
+            <a:pPr lvl="1"/>
+            <a:r>
+              <a:rPr lang="ja-JP" altLang="en-US" dirty="0" smtClean="0"/>
+              <a:t>ブロックプログラム</a:t>
+            </a:r>
+            <a:r>
+              <a:rPr lang="ja-JP" altLang="en-US" dirty="0" smtClean="0"/>
+              <a:t>から高級言語への変換</a:t>
+            </a:r>
+            <a:endParaRPr lang="en-US" altLang="ja-JP" dirty="0" smtClean="0"/>
+          </a:p>
+          <a:p>
+            <a:pPr lvl="1"/>
+            <a:endParaRPr lang="en-US" altLang="ja-JP" dirty="0"/>
+          </a:p>
+          <a:p>
+            <a:r>
+              <a:rPr lang="en-US" altLang="ja-JP" dirty="0" err="1"/>
+              <a:t>Blockly</a:t>
+            </a:r>
+            <a:r>
+              <a:rPr lang="ja-JP" altLang="en-US" dirty="0" smtClean="0"/>
+              <a:t>について、より</a:t>
+            </a:r>
+            <a:r>
+              <a:rPr lang="ja-JP" altLang="en-US" dirty="0"/>
+              <a:t>情報を</a:t>
+            </a:r>
+            <a:r>
+              <a:rPr lang="ja-JP" altLang="en-US" dirty="0" smtClean="0"/>
+              <a:t>集める</a:t>
+            </a:r>
+            <a:endParaRPr lang="en-US" altLang="ja-JP" dirty="0" smtClean="0"/>
+          </a:p>
+          <a:p>
+            <a:pPr marL="0" indent="0">
+              <a:buNone/>
+            </a:pPr>
+            <a:r>
+              <a:rPr lang="ja-JP" altLang="en-US" dirty="0" smtClean="0"/>
+              <a:t>（</a:t>
+            </a:r>
+            <a:r>
+              <a:rPr lang="en-US" altLang="ja-JP" dirty="0" err="1" smtClean="0"/>
+              <a:t>Blockly</a:t>
+            </a:r>
+            <a:r>
+              <a:rPr lang="ja-JP" altLang="en-US" dirty="0" smtClean="0"/>
+              <a:t>公式のチュートリアルを一度全部体験する）</a:t>
+            </a:r>
+            <a:endParaRPr kumimoji="1" lang="en-US" altLang="ja-JP" dirty="0" smtClean="0"/>
+          </a:p>
+          <a:p>
+            <a:r>
+              <a:rPr lang="en-US" altLang="ja-JP" dirty="0" err="1" smtClean="0"/>
+              <a:t>Javascript</a:t>
+            </a:r>
+            <a:r>
+              <a:rPr lang="ja-JP" altLang="en-US" dirty="0" smtClean="0"/>
+              <a:t>の勉強を進める</a:t>
+            </a:r>
+            <a:endParaRPr lang="en-US" altLang="ja-JP" dirty="0" smtClean="0"/>
+          </a:p>
+          <a:p>
+            <a:endParaRPr kumimoji="1" lang="en-US" altLang="ja-JP" dirty="0"/>
+          </a:p>
+          <a:p>
+            <a:r>
+              <a:rPr kumimoji="1" lang="en-US" altLang="ja-JP" dirty="0" smtClean="0"/>
+              <a:t>PHP</a:t>
+            </a:r>
+            <a:r>
               <a:rPr kumimoji="1" lang="ja-JP" altLang="en-US" dirty="0" smtClean="0"/>
-              <a:t>現在ブロックプログラムから高級言語に変換できていない</a:t>
-            </a:r>
-            <a:endParaRPr kumimoji="1" lang="en-US" altLang="ja-JP" dirty="0" smtClean="0"/>
-          </a:p>
-          <a:p>
-            <a:pPr lvl="1"/>
-            <a:r>
-              <a:rPr kumimoji="1" lang="ja-JP" altLang="en-US" dirty="0" smtClean="0"/>
-              <a:t>穴埋めのようなものの作成もできていない</a:t>
-            </a:r>
-            <a:endParaRPr kumimoji="1" lang="en-US" altLang="ja-JP" dirty="0"/>
-          </a:p>
-          <a:p>
-            <a:pPr marL="0" indent="0">
-              <a:buNone/>
-            </a:pPr>
-            <a:endParaRPr lang="en-US" altLang="ja-JP" dirty="0" smtClean="0"/>
-          </a:p>
-          <a:p>
-            <a:endParaRPr lang="en-US" altLang="ja-JP" dirty="0" smtClean="0"/>
+              <a:t>などを実行する際はサーバサイドで一度実行して結果を返す（？）</a:t>
+            </a:r>
+            <a:endParaRPr kumimoji="1" lang="ja-JP" altLang="en-US" dirty="0"/>
           </a:p>
         </p:txBody>
       </p:sp>
@@ -4823,7 +4823,7 @@
     </p:spTree>
     <p:extLst>
       <p:ext uri="{BB962C8B-B14F-4D97-AF65-F5344CB8AC3E}">
-        <p14:creationId xmlns:p14="http://schemas.microsoft.com/office/powerpoint/2010/main" val="2826616788"/>
+        <p14:creationId xmlns:p14="http://schemas.microsoft.com/office/powerpoint/2010/main" val="3437852389"/>
       </p:ext>
     </p:extLst>
   </p:cSld>
